--- a/research_work/presentation.pptx
+++ b/research_work/presentation.pptx
@@ -116,6 +116,11 @@
       </a:defRPr>
     </a:lvl9pPr>
   </p:defaultTextStyle>
+  <p:extLst>
+    <p:ext uri="{EFAFB233-063F-42B5-8137-9DF3F51BA10A}">
+      <p15:sldGuideLst xmlns:p15="http://schemas.microsoft.com/office/powerpoint/2012/main"/>
+    </p:ext>
+  </p:extLst>
 </p:presentation>
 </file>
 
@@ -7204,8 +7209,8 @@
           </a:p>
         </p:txBody>
       </p:sp>
-      <mc:AlternateContent xmlns:mc="http://schemas.openxmlformats.org/markup-compatibility/2006">
-        <mc:Choice xmlns:a14="http://schemas.microsoft.com/office/drawing/2010/main" Requires="a14">
+      <mc:AlternateContent xmlns:mc="http://schemas.openxmlformats.org/markup-compatibility/2006" xmlns:a14="http://schemas.microsoft.com/office/drawing/2010/main">
+        <mc:Choice Requires="a14">
           <p:sp>
             <p:nvSpPr>
               <p:cNvPr id="119" name="Google Shape;119;p18"/>
@@ -7829,7 +7834,7 @@
             </p:txBody>
           </p:sp>
         </mc:Choice>
-        <mc:Fallback>
+        <mc:Fallback xmlns="">
           <p:sp>
             <p:nvSpPr>
               <p:cNvPr id="119" name="Google Shape;119;p18"/>
@@ -8021,8 +8026,8 @@
           </a:p>
         </p:txBody>
       </p:sp>
-      <mc:AlternateContent xmlns:mc="http://schemas.openxmlformats.org/markup-compatibility/2006">
-        <mc:Choice xmlns:a14="http://schemas.microsoft.com/office/drawing/2010/main" Requires="a14">
+      <mc:AlternateContent xmlns:mc="http://schemas.openxmlformats.org/markup-compatibility/2006" xmlns:a14="http://schemas.microsoft.com/office/drawing/2010/main">
+        <mc:Choice Requires="a14">
           <p:sp>
             <p:nvSpPr>
               <p:cNvPr id="7" name="Текст 6">
@@ -8840,7 +8845,7 @@
             </p:txBody>
           </p:sp>
         </mc:Choice>
-        <mc:Fallback>
+        <mc:Fallback xmlns="">
           <p:sp>
             <p:nvSpPr>
               <p:cNvPr id="7" name="Текст 6">
@@ -9032,8 +9037,8 @@
           </a:p>
         </p:txBody>
       </p:sp>
-      <mc:AlternateContent xmlns:mc="http://schemas.openxmlformats.org/markup-compatibility/2006">
-        <mc:Choice xmlns:a14="http://schemas.microsoft.com/office/drawing/2010/main" Requires="a14">
+      <mc:AlternateContent xmlns:mc="http://schemas.openxmlformats.org/markup-compatibility/2006" xmlns:a14="http://schemas.microsoft.com/office/drawing/2010/main">
+        <mc:Choice Requires="a14">
           <p:sp>
             <p:nvSpPr>
               <p:cNvPr id="2" name="Google Shape;119;p18">
@@ -9777,16 +9782,7 @@
                         <a:cs typeface="Times New Roman" panose="02020603050405020304" pitchFamily="18" charset="0"/>
                         <a:sym typeface="Times New Roman"/>
                       </a:rPr>
-                      <m:t>~</m:t>
-                    </m:r>
-                    <m:r>
-                      <a:rPr lang="en-US" sz="2400" i="1">
-                        <a:latin typeface="Cambria Math" panose="02040503050406030204" pitchFamily="18" charset="0"/>
-                        <a:ea typeface="Cambria Math" panose="02040503050406030204" pitchFamily="18" charset="0"/>
-                        <a:cs typeface="Times New Roman" panose="02020603050405020304" pitchFamily="18" charset="0"/>
-                        <a:sym typeface="Times New Roman"/>
-                      </a:rPr>
-                      <m:t> </m:t>
+                      <m:t>~ </m:t>
                     </m:r>
                     <m:r>
                       <a:rPr lang="en-US" sz="2400" i="1">
@@ -10012,7 +10008,7 @@
             </p:txBody>
           </p:sp>
         </mc:Choice>
-        <mc:Fallback>
+        <mc:Fallback xmlns="">
           <p:sp>
             <p:nvSpPr>
               <p:cNvPr id="2" name="Google Shape;119;p18">
@@ -10392,7 +10388,7 @@
             <p:ph idx="1"/>
             <p:extLst>
               <p:ext uri="{D42A27DB-BD31-4B8C-83A1-F6EECF244321}">
-                <p14:modId xmlns:p14="http://schemas.microsoft.com/office/powerpoint/2010/main" val="2852686088"/>
+                <p14:modId xmlns:p14="http://schemas.microsoft.com/office/powerpoint/2010/main" val="993317705"/>
               </p:ext>
             </p:extLst>
           </p:nvPr>
@@ -10568,8 +10564,12 @@
                     <a:lstStyle/>
                     <a:p>
                       <a:r>
+                        <a:rPr lang="en-US" sz="1800" dirty="0"/>
+                        <a:t>~ 65 % (13 </a:t>
+                      </a:r>
+                      <a:r>
                         <a:rPr lang="ru-RU" sz="1800" dirty="0"/>
-                        <a:t>Сильно зависит от жанра</a:t>
+                        <a:t>верных из 20)</a:t>
                       </a:r>
                       <a:endParaRPr lang="ru-RU" sz="1800" dirty="0">
                         <a:latin typeface="Times New Roman" panose="02020603050405020304" pitchFamily="18" charset="0"/>
@@ -10660,8 +10660,8 @@
                     <a:lstStyle/>
                     <a:p>
                       <a:r>
-                        <a:rPr lang="ru-RU" sz="1800" dirty="0"/>
-                        <a:t>Разный темп может определяться как одинаковый</a:t>
+                        <a:rPr lang="en-US" sz="1800" dirty="0"/>
+                        <a:t>~ 80 %</a:t>
                       </a:r>
                       <a:endParaRPr lang="ru-RU" sz="1800" dirty="0">
                         <a:latin typeface="Times New Roman" panose="02020603050405020304" pitchFamily="18" charset="0"/>
@@ -10874,7 +10874,15 @@
                     <a:p>
                       <a:r>
                         <a:rPr lang="ru-RU" sz="1800" dirty="0"/>
-                        <a:t>До 98%</a:t>
+                        <a:t>До 9</a:t>
+                      </a:r>
+                      <a:r>
+                        <a:rPr lang="en-US" sz="1800" dirty="0"/>
+                        <a:t>2</a:t>
+                      </a:r>
+                      <a:r>
+                        <a:rPr lang="ru-RU" sz="1800" dirty="0"/>
+                        <a:t>%</a:t>
                       </a:r>
                       <a:endParaRPr lang="ru-RU" sz="1800" dirty="0">
                         <a:latin typeface="Times New Roman" panose="02020603050405020304" pitchFamily="18" charset="0"/>
@@ -10958,8 +10966,8 @@
                     <a:lstStyle/>
                     <a:p>
                       <a:r>
-                        <a:rPr lang="ru-RU" sz="1800" dirty="0"/>
-                        <a:t>3611</a:t>
+                        <a:rPr lang="en-US" sz="1800" dirty="0"/>
+                        <a:t>8596</a:t>
                       </a:r>
                       <a:endParaRPr lang="ru-RU" sz="1800" dirty="0">
                         <a:latin typeface="Times New Roman" panose="02020603050405020304" pitchFamily="18" charset="0"/>
